--- a/output/daily_summary.pptx
+++ b/output/daily_summary.pptx
@@ -3351,7 +3351,7 @@
                 <a:latin typeface="Segoe UI"/>
               </a:rPr>
               <a:t>
-4.393</a:t>
+4.308</a:t>
             </a:r>
             <a:r>
               <a:rPr sz="2000">
@@ -3361,7 +3361,7 @@
                 <a:latin typeface="Segoe UI"/>
               </a:rPr>
               <a:t>
--0.027 (-0.61%)</a:t>
+-0.085 (-1.93%)</a:t>
             </a:r>
           </a:p>
         </p:txBody>
@@ -3407,7 +3407,7 @@
                 <a:latin typeface="Segoe UI"/>
               </a:rPr>
               <a:t>
-1431.91</a:t>
+1432.8</a:t>
             </a:r>
             <a:r>
               <a:rPr sz="2000">
@@ -3417,7 +3417,7 @@
                 <a:latin typeface="Segoe UI"/>
               </a:rPr>
               <a:t>
--2.38 (-0.17%)</a:t>
+-1.49 (-0.1%)</a:t>
             </a:r>
           </a:p>
         </p:txBody>
